--- a/Notification.pptx
+++ b/Notification.pptx
@@ -3347,6 +3347,13 @@
   <p:clrMapOvr>
     <a:masterClrMapping/>
   </p:clrMapOvr>
+  <p:timing>
+    <p:tnLst>
+      <p:par>
+        <p:cTn id="1" dur="indefinite" restart="never" nodeType="tmRoot"/>
+      </p:par>
+    </p:tnLst>
+  </p:timing>
 </p:sld>
 </file>
 
@@ -3518,6 +3525,13 @@
   <p:clrMapOvr>
     <a:masterClrMapping/>
   </p:clrMapOvr>
+  <p:timing>
+    <p:tnLst>
+      <p:par>
+        <p:cTn id="1" dur="indefinite" restart="never" nodeType="tmRoot"/>
+      </p:par>
+    </p:tnLst>
+  </p:timing>
 </p:sld>
 </file>
 
@@ -3644,6 +3658,13 @@
   <p:clrMapOvr>
     <a:masterClrMapping/>
   </p:clrMapOvr>
+  <p:timing>
+    <p:tnLst>
+      <p:par>
+        <p:cTn id="1" dur="indefinite" restart="never" nodeType="tmRoot"/>
+      </p:par>
+    </p:tnLst>
+  </p:timing>
 </p:sld>
 </file>
 
@@ -4099,6 +4120,13 @@
   <p:clrMapOvr>
     <a:masterClrMapping/>
   </p:clrMapOvr>
+  <p:timing>
+    <p:tnLst>
+      <p:par>
+        <p:cTn id="1" dur="indefinite" restart="never" nodeType="tmRoot"/>
+      </p:par>
+    </p:tnLst>
+  </p:timing>
 </p:sld>
 </file>
 
@@ -4197,8 +4225,12 @@
           </a:p>
           <a:p>
             <a:r>
-              <a:rPr lang="en-US" dirty="0" smtClean="0"/>
-              <a:t>Notification queue</a:t>
+              <a:rPr lang="en-US" smtClean="0"/>
+              <a:t>Monitor resource, notification </a:t>
+            </a:r>
+            <a:r>
+              <a:rPr lang="en-US" dirty="0" smtClean="0"/>
+              <a:t>queue</a:t>
             </a:r>
           </a:p>
           <a:p>
@@ -4220,6 +4252,13 @@
   <p:clrMapOvr>
     <a:masterClrMapping/>
   </p:clrMapOvr>
+  <p:timing>
+    <p:tnLst>
+      <p:par>
+        <p:cTn id="1" dur="indefinite" restart="never" nodeType="tmRoot"/>
+      </p:par>
+    </p:tnLst>
+  </p:timing>
 </p:sld>
 </file>
 
@@ -4331,6 +4370,13 @@
   <p:clrMapOvr>
     <a:masterClrMapping/>
   </p:clrMapOvr>
+  <p:timing>
+    <p:tnLst>
+      <p:par>
+        <p:cTn id="1" dur="indefinite" restart="never" nodeType="tmRoot"/>
+      </p:par>
+    </p:tnLst>
+  </p:timing>
 </p:sld>
 </file>
 
@@ -4427,6 +4473,13 @@
   <p:clrMapOvr>
     <a:masterClrMapping/>
   </p:clrMapOvr>
+  <p:timing>
+    <p:tnLst>
+      <p:par>
+        <p:cTn id="1" dur="indefinite" restart="never" nodeType="tmRoot"/>
+      </p:par>
+    </p:tnLst>
+  </p:timing>
 </p:sld>
 </file>
 
@@ -4565,6 +4618,13 @@
   <p:clrMapOvr>
     <a:masterClrMapping/>
   </p:clrMapOvr>
+  <p:timing>
+    <p:tnLst>
+      <p:par>
+        <p:cTn id="1" dur="indefinite" restart="never" nodeType="tmRoot"/>
+      </p:par>
+    </p:tnLst>
+  </p:timing>
 </p:sld>
 </file>
 
@@ -4667,6 +4727,13 @@
   <p:clrMapOvr>
     <a:masterClrMapping/>
   </p:clrMapOvr>
+  <p:timing>
+    <p:tnLst>
+      <p:par>
+        <p:cTn id="1" dur="indefinite" restart="never" nodeType="tmRoot"/>
+      </p:par>
+    </p:tnLst>
+  </p:timing>
 </p:sld>
 </file>
 
@@ -4838,6 +4905,13 @@
   <p:clrMapOvr>
     <a:masterClrMapping/>
   </p:clrMapOvr>
+  <p:timing>
+    <p:tnLst>
+      <p:par>
+        <p:cTn id="1" dur="indefinite" restart="never" nodeType="tmRoot"/>
+      </p:par>
+    </p:tnLst>
+  </p:timing>
 </p:sld>
 </file>
 
@@ -4957,6 +5031,13 @@
   <p:clrMapOvr>
     <a:masterClrMapping/>
   </p:clrMapOvr>
+  <p:timing>
+    <p:tnLst>
+      <p:par>
+        <p:cTn id="1" dur="indefinite" restart="never" nodeType="tmRoot"/>
+      </p:par>
+    </p:tnLst>
+  </p:timing>
 </p:sld>
 </file>
 
@@ -5132,6 +5213,13 @@
   <p:clrMapOvr>
     <a:masterClrMapping/>
   </p:clrMapOvr>
+  <p:timing>
+    <p:tnLst>
+      <p:par>
+        <p:cTn id="1" dur="indefinite" restart="never" nodeType="tmRoot"/>
+      </p:par>
+    </p:tnLst>
+  </p:timing>
 </p:sld>
 </file>
 
@@ -5539,6 +5627,13 @@
   <p:clrMapOvr>
     <a:masterClrMapping/>
   </p:clrMapOvr>
+  <p:timing>
+    <p:tnLst>
+      <p:par>
+        <p:cTn id="1" dur="indefinite" restart="never" nodeType="tmRoot"/>
+      </p:par>
+    </p:tnLst>
+  </p:timing>
 </p:sld>
 </file>
 
@@ -5676,6 +5771,13 @@
   <p:clrMapOvr>
     <a:masterClrMapping/>
   </p:clrMapOvr>
+  <p:timing>
+    <p:tnLst>
+      <p:par>
+        <p:cTn id="1" dur="indefinite" restart="never" nodeType="tmRoot"/>
+      </p:par>
+    </p:tnLst>
+  </p:timing>
 </p:sld>
 </file>
 
@@ -6386,6 +6488,13 @@
   <p:clrMapOvr>
     <a:masterClrMapping/>
   </p:clrMapOvr>
+  <p:timing>
+    <p:tnLst>
+      <p:par>
+        <p:cTn id="1" dur="indefinite" restart="never" nodeType="tmRoot"/>
+      </p:par>
+    </p:tnLst>
+  </p:timing>
 </p:sld>
 </file>
 
@@ -7124,6 +7233,13 @@
   <p:clrMapOvr>
     <a:masterClrMapping/>
   </p:clrMapOvr>
+  <p:timing>
+    <p:tnLst>
+      <p:par>
+        <p:cTn id="1" dur="indefinite" restart="never" nodeType="tmRoot"/>
+      </p:par>
+    </p:tnLst>
+  </p:timing>
 </p:sld>
 </file>
 
